--- a/ppt 16-9/1454.我属主.pptx
+++ b/ppt 16-9/1454.我属主.pptx
@@ -129,7 +129,7 @@
           <p:cNvPr id="2" name="标题 1">
             <a:extLst>
               <a:ext uri="{FF2B5EF4-FFF2-40B4-BE49-F238E27FC236}">
-                <a16:creationId xmlns:a16="http://schemas.microsoft.com/office/drawing/2014/main" id="{40D4C6DB-E3C3-3A36-AE0C-9CBAC8881714}"/>
+                <a16:creationId xmlns:a16="http://schemas.microsoft.com/office/drawing/2014/main" id="{A0430F82-9E7A-8ED8-3D40-CA5A395FA2BD}"/>
               </a:ext>
             </a:extLst>
           </p:cNvPr>
@@ -166,7 +166,7 @@
           <p:cNvPr id="3" name="副标题 2">
             <a:extLst>
               <a:ext uri="{FF2B5EF4-FFF2-40B4-BE49-F238E27FC236}">
-                <a16:creationId xmlns:a16="http://schemas.microsoft.com/office/drawing/2014/main" id="{A57BF651-8971-C64F-C046-20968AA07758}"/>
+                <a16:creationId xmlns:a16="http://schemas.microsoft.com/office/drawing/2014/main" id="{5F90FB45-5276-95F7-AEA8-C722FB9B6A05}"/>
               </a:ext>
             </a:extLst>
           </p:cNvPr>
@@ -236,7 +236,7 @@
           <p:cNvPr id="4" name="日期占位符 3">
             <a:extLst>
               <a:ext uri="{FF2B5EF4-FFF2-40B4-BE49-F238E27FC236}">
-                <a16:creationId xmlns:a16="http://schemas.microsoft.com/office/drawing/2014/main" id="{67764BCA-7E5B-93DA-9D9E-EA5B838E55D5}"/>
+                <a16:creationId xmlns:a16="http://schemas.microsoft.com/office/drawing/2014/main" id="{2085315D-3436-3DB6-5EB0-FF04F3B53931}"/>
               </a:ext>
             </a:extLst>
           </p:cNvPr>
@@ -252,7 +252,7 @@
           <a:bodyPr/>
           <a:lstStyle/>
           <a:p>
-            <a:fld id="{16CEBFF6-6B4E-4A7F-83D5-983588629D2C}" type="datetimeFigureOut">
+            <a:fld id="{A3AE23A8-8540-411A-9321-D2502B90E9F1}" type="datetimeFigureOut">
               <a:rPr lang="zh-CN" altLang="en-US" smtClean="0"/>
               <a:t>2024/3/10</a:t>
             </a:fld>
@@ -265,7 +265,7 @@
           <p:cNvPr id="5" name="页脚占位符 4">
             <a:extLst>
               <a:ext uri="{FF2B5EF4-FFF2-40B4-BE49-F238E27FC236}">
-                <a16:creationId xmlns:a16="http://schemas.microsoft.com/office/drawing/2014/main" id="{02816407-DA39-0459-1AB9-3E361FEAE916}"/>
+                <a16:creationId xmlns:a16="http://schemas.microsoft.com/office/drawing/2014/main" id="{C8052197-F50A-3FA0-BCAE-BEDB1F5AD902}"/>
               </a:ext>
             </a:extLst>
           </p:cNvPr>
@@ -290,7 +290,7 @@
           <p:cNvPr id="6" name="灯片编号占位符 5">
             <a:extLst>
               <a:ext uri="{FF2B5EF4-FFF2-40B4-BE49-F238E27FC236}">
-                <a16:creationId xmlns:a16="http://schemas.microsoft.com/office/drawing/2014/main" id="{C23508B9-8756-18E3-7991-9E20E772BBB8}"/>
+                <a16:creationId xmlns:a16="http://schemas.microsoft.com/office/drawing/2014/main" id="{CBD15490-3876-3677-DABD-8F7272A59315}"/>
               </a:ext>
             </a:extLst>
           </p:cNvPr>
@@ -306,7 +306,7 @@
           <a:bodyPr/>
           <a:lstStyle/>
           <a:p>
-            <a:fld id="{D02B0819-1DDA-4BB8-9019-232B24DEDA34}" type="slidenum">
+            <a:fld id="{4799E435-406C-4AB1-841D-7C4E177A54E3}" type="slidenum">
               <a:rPr lang="zh-CN" altLang="en-US" smtClean="0"/>
               <a:t>‹#›</a:t>
             </a:fld>
@@ -317,7 +317,7 @@
     </p:spTree>
     <p:extLst>
       <p:ext uri="{BB962C8B-B14F-4D97-AF65-F5344CB8AC3E}">
-        <p14:creationId xmlns:p14="http://schemas.microsoft.com/office/powerpoint/2010/main" val="1983884180"/>
+        <p14:creationId xmlns:p14="http://schemas.microsoft.com/office/powerpoint/2010/main" val="1484065698"/>
       </p:ext>
     </p:extLst>
   </p:cSld>
@@ -349,7 +349,7 @@
           <p:cNvPr id="2" name="标题 1">
             <a:extLst>
               <a:ext uri="{FF2B5EF4-FFF2-40B4-BE49-F238E27FC236}">
-                <a16:creationId xmlns:a16="http://schemas.microsoft.com/office/drawing/2014/main" id="{8796BFDE-46C7-3D95-6025-B7390E9C5ABE}"/>
+                <a16:creationId xmlns:a16="http://schemas.microsoft.com/office/drawing/2014/main" id="{771C5FD6-3E81-08B9-0AB3-1279C1C9E8B0}"/>
               </a:ext>
             </a:extLst>
           </p:cNvPr>
@@ -377,7 +377,7 @@
           <p:cNvPr id="3" name="竖排文字占位符 2">
             <a:extLst>
               <a:ext uri="{FF2B5EF4-FFF2-40B4-BE49-F238E27FC236}">
-                <a16:creationId xmlns:a16="http://schemas.microsoft.com/office/drawing/2014/main" id="{FA92AF49-874E-0B00-0D7E-7EE4D41FB563}"/>
+                <a16:creationId xmlns:a16="http://schemas.microsoft.com/office/drawing/2014/main" id="{B873BAE7-653E-EF01-8B97-B1F3A612A362}"/>
               </a:ext>
             </a:extLst>
           </p:cNvPr>
@@ -434,7 +434,7 @@
           <p:cNvPr id="4" name="日期占位符 3">
             <a:extLst>
               <a:ext uri="{FF2B5EF4-FFF2-40B4-BE49-F238E27FC236}">
-                <a16:creationId xmlns:a16="http://schemas.microsoft.com/office/drawing/2014/main" id="{30D11E7C-1915-AC8B-10DC-5595888DA638}"/>
+                <a16:creationId xmlns:a16="http://schemas.microsoft.com/office/drawing/2014/main" id="{7C3474CA-FAF1-AE2F-6C9B-E4BC70CA316B}"/>
               </a:ext>
             </a:extLst>
           </p:cNvPr>
@@ -450,7 +450,7 @@
           <a:bodyPr/>
           <a:lstStyle/>
           <a:p>
-            <a:fld id="{16CEBFF6-6B4E-4A7F-83D5-983588629D2C}" type="datetimeFigureOut">
+            <a:fld id="{A3AE23A8-8540-411A-9321-D2502B90E9F1}" type="datetimeFigureOut">
               <a:rPr lang="zh-CN" altLang="en-US" smtClean="0"/>
               <a:t>2024/3/10</a:t>
             </a:fld>
@@ -463,7 +463,7 @@
           <p:cNvPr id="5" name="页脚占位符 4">
             <a:extLst>
               <a:ext uri="{FF2B5EF4-FFF2-40B4-BE49-F238E27FC236}">
-                <a16:creationId xmlns:a16="http://schemas.microsoft.com/office/drawing/2014/main" id="{D9CC0D2B-7DC1-9988-9BDB-49617E2DDD6C}"/>
+                <a16:creationId xmlns:a16="http://schemas.microsoft.com/office/drawing/2014/main" id="{7E39F5E4-21A0-7AE1-38EB-98B1B25B2DAA}"/>
               </a:ext>
             </a:extLst>
           </p:cNvPr>
@@ -488,7 +488,7 @@
           <p:cNvPr id="6" name="灯片编号占位符 5">
             <a:extLst>
               <a:ext uri="{FF2B5EF4-FFF2-40B4-BE49-F238E27FC236}">
-                <a16:creationId xmlns:a16="http://schemas.microsoft.com/office/drawing/2014/main" id="{2833D655-FF88-7C57-EEB6-895F830EAF1C}"/>
+                <a16:creationId xmlns:a16="http://schemas.microsoft.com/office/drawing/2014/main" id="{5B13A18B-9908-D991-AF0C-41932C0BBCEA}"/>
               </a:ext>
             </a:extLst>
           </p:cNvPr>
@@ -504,7 +504,7 @@
           <a:bodyPr/>
           <a:lstStyle/>
           <a:p>
-            <a:fld id="{D02B0819-1DDA-4BB8-9019-232B24DEDA34}" type="slidenum">
+            <a:fld id="{4799E435-406C-4AB1-841D-7C4E177A54E3}" type="slidenum">
               <a:rPr lang="zh-CN" altLang="en-US" smtClean="0"/>
               <a:t>‹#›</a:t>
             </a:fld>
@@ -515,7 +515,7 @@
     </p:spTree>
     <p:extLst>
       <p:ext uri="{BB962C8B-B14F-4D97-AF65-F5344CB8AC3E}">
-        <p14:creationId xmlns:p14="http://schemas.microsoft.com/office/powerpoint/2010/main" val="2942354588"/>
+        <p14:creationId xmlns:p14="http://schemas.microsoft.com/office/powerpoint/2010/main" val="2960603758"/>
       </p:ext>
     </p:extLst>
   </p:cSld>
@@ -547,7 +547,7 @@
           <p:cNvPr id="2" name="竖排标题 1">
             <a:extLst>
               <a:ext uri="{FF2B5EF4-FFF2-40B4-BE49-F238E27FC236}">
-                <a16:creationId xmlns:a16="http://schemas.microsoft.com/office/drawing/2014/main" id="{015F96B0-11DF-CD0E-97D4-A7EB22149B2B}"/>
+                <a16:creationId xmlns:a16="http://schemas.microsoft.com/office/drawing/2014/main" id="{8B80B26C-2588-18BD-2B22-6BE66B2473D8}"/>
               </a:ext>
             </a:extLst>
           </p:cNvPr>
@@ -580,7 +580,7 @@
           <p:cNvPr id="3" name="竖排文字占位符 2">
             <a:extLst>
               <a:ext uri="{FF2B5EF4-FFF2-40B4-BE49-F238E27FC236}">
-                <a16:creationId xmlns:a16="http://schemas.microsoft.com/office/drawing/2014/main" id="{F854DF37-0533-EB39-F582-324F9D89D1BB}"/>
+                <a16:creationId xmlns:a16="http://schemas.microsoft.com/office/drawing/2014/main" id="{C29515AE-F2A7-43E9-00BC-AD89E45BD8F0}"/>
               </a:ext>
             </a:extLst>
           </p:cNvPr>
@@ -642,7 +642,7 @@
           <p:cNvPr id="4" name="日期占位符 3">
             <a:extLst>
               <a:ext uri="{FF2B5EF4-FFF2-40B4-BE49-F238E27FC236}">
-                <a16:creationId xmlns:a16="http://schemas.microsoft.com/office/drawing/2014/main" id="{6D77C51E-21DE-4BD4-AE5E-445B3BC6E345}"/>
+                <a16:creationId xmlns:a16="http://schemas.microsoft.com/office/drawing/2014/main" id="{D29298ED-0353-B25D-7A1A-52C588907E7B}"/>
               </a:ext>
             </a:extLst>
           </p:cNvPr>
@@ -658,7 +658,7 @@
           <a:bodyPr/>
           <a:lstStyle/>
           <a:p>
-            <a:fld id="{16CEBFF6-6B4E-4A7F-83D5-983588629D2C}" type="datetimeFigureOut">
+            <a:fld id="{A3AE23A8-8540-411A-9321-D2502B90E9F1}" type="datetimeFigureOut">
               <a:rPr lang="zh-CN" altLang="en-US" smtClean="0"/>
               <a:t>2024/3/10</a:t>
             </a:fld>
@@ -671,7 +671,7 @@
           <p:cNvPr id="5" name="页脚占位符 4">
             <a:extLst>
               <a:ext uri="{FF2B5EF4-FFF2-40B4-BE49-F238E27FC236}">
-                <a16:creationId xmlns:a16="http://schemas.microsoft.com/office/drawing/2014/main" id="{2FFE1CF6-750B-027C-783A-1EA49C3BB965}"/>
+                <a16:creationId xmlns:a16="http://schemas.microsoft.com/office/drawing/2014/main" id="{F1A3EAA4-7D29-9EF5-D23A-A6C5A44F5F09}"/>
               </a:ext>
             </a:extLst>
           </p:cNvPr>
@@ -696,7 +696,7 @@
           <p:cNvPr id="6" name="灯片编号占位符 5">
             <a:extLst>
               <a:ext uri="{FF2B5EF4-FFF2-40B4-BE49-F238E27FC236}">
-                <a16:creationId xmlns:a16="http://schemas.microsoft.com/office/drawing/2014/main" id="{6AB0EAB0-DC36-6739-1E30-3753B9195EC3}"/>
+                <a16:creationId xmlns:a16="http://schemas.microsoft.com/office/drawing/2014/main" id="{1DA7D311-F365-3D57-F0D9-CE071799FFFE}"/>
               </a:ext>
             </a:extLst>
           </p:cNvPr>
@@ -712,7 +712,7 @@
           <a:bodyPr/>
           <a:lstStyle/>
           <a:p>
-            <a:fld id="{D02B0819-1DDA-4BB8-9019-232B24DEDA34}" type="slidenum">
+            <a:fld id="{4799E435-406C-4AB1-841D-7C4E177A54E3}" type="slidenum">
               <a:rPr lang="zh-CN" altLang="en-US" smtClean="0"/>
               <a:t>‹#›</a:t>
             </a:fld>
@@ -723,7 +723,7 @@
     </p:spTree>
     <p:extLst>
       <p:ext uri="{BB962C8B-B14F-4D97-AF65-F5344CB8AC3E}">
-        <p14:creationId xmlns:p14="http://schemas.microsoft.com/office/powerpoint/2010/main" val="652532247"/>
+        <p14:creationId xmlns:p14="http://schemas.microsoft.com/office/powerpoint/2010/main" val="2114889621"/>
       </p:ext>
     </p:extLst>
   </p:cSld>
@@ -755,7 +755,7 @@
           <p:cNvPr id="2" name="标题 1">
             <a:extLst>
               <a:ext uri="{FF2B5EF4-FFF2-40B4-BE49-F238E27FC236}">
-                <a16:creationId xmlns:a16="http://schemas.microsoft.com/office/drawing/2014/main" id="{42D91D10-F411-B146-E181-F6A4B672FD44}"/>
+                <a16:creationId xmlns:a16="http://schemas.microsoft.com/office/drawing/2014/main" id="{9EF585B5-FF96-94A7-7624-ADED4400E4BE}"/>
               </a:ext>
             </a:extLst>
           </p:cNvPr>
@@ -783,7 +783,7 @@
           <p:cNvPr id="3" name="内容占位符 2">
             <a:extLst>
               <a:ext uri="{FF2B5EF4-FFF2-40B4-BE49-F238E27FC236}">
-                <a16:creationId xmlns:a16="http://schemas.microsoft.com/office/drawing/2014/main" id="{780CA54C-BAD6-311C-E574-EEAA5B2AA6A3}"/>
+                <a16:creationId xmlns:a16="http://schemas.microsoft.com/office/drawing/2014/main" id="{B20F2361-B0D8-B819-EB35-6F5E7212D4D7}"/>
               </a:ext>
             </a:extLst>
           </p:cNvPr>
@@ -840,7 +840,7 @@
           <p:cNvPr id="4" name="日期占位符 3">
             <a:extLst>
               <a:ext uri="{FF2B5EF4-FFF2-40B4-BE49-F238E27FC236}">
-                <a16:creationId xmlns:a16="http://schemas.microsoft.com/office/drawing/2014/main" id="{6C397F38-37F0-7A30-ECF8-6A4704393B51}"/>
+                <a16:creationId xmlns:a16="http://schemas.microsoft.com/office/drawing/2014/main" id="{0C17B080-1EB1-9C26-7F34-26F946D0B9B7}"/>
               </a:ext>
             </a:extLst>
           </p:cNvPr>
@@ -856,7 +856,7 @@
           <a:bodyPr/>
           <a:lstStyle/>
           <a:p>
-            <a:fld id="{16CEBFF6-6B4E-4A7F-83D5-983588629D2C}" type="datetimeFigureOut">
+            <a:fld id="{A3AE23A8-8540-411A-9321-D2502B90E9F1}" type="datetimeFigureOut">
               <a:rPr lang="zh-CN" altLang="en-US" smtClean="0"/>
               <a:t>2024/3/10</a:t>
             </a:fld>
@@ -869,7 +869,7 @@
           <p:cNvPr id="5" name="页脚占位符 4">
             <a:extLst>
               <a:ext uri="{FF2B5EF4-FFF2-40B4-BE49-F238E27FC236}">
-                <a16:creationId xmlns:a16="http://schemas.microsoft.com/office/drawing/2014/main" id="{A4330265-8A49-8C29-FDEF-2FF7C4747BDF}"/>
+                <a16:creationId xmlns:a16="http://schemas.microsoft.com/office/drawing/2014/main" id="{B3DC143F-17C9-7BA3-B143-DFEDAE4B5B3C}"/>
               </a:ext>
             </a:extLst>
           </p:cNvPr>
@@ -894,7 +894,7 @@
           <p:cNvPr id="6" name="灯片编号占位符 5">
             <a:extLst>
               <a:ext uri="{FF2B5EF4-FFF2-40B4-BE49-F238E27FC236}">
-                <a16:creationId xmlns:a16="http://schemas.microsoft.com/office/drawing/2014/main" id="{DB7AAAE7-5C2A-89FD-CB60-8AB0DF25F763}"/>
+                <a16:creationId xmlns:a16="http://schemas.microsoft.com/office/drawing/2014/main" id="{7251E1FE-C02E-FB6C-3EDF-A4378257B94C}"/>
               </a:ext>
             </a:extLst>
           </p:cNvPr>
@@ -910,7 +910,7 @@
           <a:bodyPr/>
           <a:lstStyle/>
           <a:p>
-            <a:fld id="{D02B0819-1DDA-4BB8-9019-232B24DEDA34}" type="slidenum">
+            <a:fld id="{4799E435-406C-4AB1-841D-7C4E177A54E3}" type="slidenum">
               <a:rPr lang="zh-CN" altLang="en-US" smtClean="0"/>
               <a:t>‹#›</a:t>
             </a:fld>
@@ -921,7 +921,7 @@
     </p:spTree>
     <p:extLst>
       <p:ext uri="{BB962C8B-B14F-4D97-AF65-F5344CB8AC3E}">
-        <p14:creationId xmlns:p14="http://schemas.microsoft.com/office/powerpoint/2010/main" val="4046723272"/>
+        <p14:creationId xmlns:p14="http://schemas.microsoft.com/office/powerpoint/2010/main" val="2283197440"/>
       </p:ext>
     </p:extLst>
   </p:cSld>
@@ -953,7 +953,7 @@
           <p:cNvPr id="2" name="标题 1">
             <a:extLst>
               <a:ext uri="{FF2B5EF4-FFF2-40B4-BE49-F238E27FC236}">
-                <a16:creationId xmlns:a16="http://schemas.microsoft.com/office/drawing/2014/main" id="{78440666-3FFA-A81C-BBE9-1D2FB45001AA}"/>
+                <a16:creationId xmlns:a16="http://schemas.microsoft.com/office/drawing/2014/main" id="{316047D7-9A35-3539-7307-FD5A73456D97}"/>
               </a:ext>
             </a:extLst>
           </p:cNvPr>
@@ -990,7 +990,7 @@
           <p:cNvPr id="3" name="文本占位符 2">
             <a:extLst>
               <a:ext uri="{FF2B5EF4-FFF2-40B4-BE49-F238E27FC236}">
-                <a16:creationId xmlns:a16="http://schemas.microsoft.com/office/drawing/2014/main" id="{190B0484-7978-CB89-5393-A9B29E07C787}"/>
+                <a16:creationId xmlns:a16="http://schemas.microsoft.com/office/drawing/2014/main" id="{58DAB75D-B8E8-CA2F-C56D-FC4093D2C14B}"/>
               </a:ext>
             </a:extLst>
           </p:cNvPr>
@@ -1115,7 +1115,7 @@
           <p:cNvPr id="4" name="日期占位符 3">
             <a:extLst>
               <a:ext uri="{FF2B5EF4-FFF2-40B4-BE49-F238E27FC236}">
-                <a16:creationId xmlns:a16="http://schemas.microsoft.com/office/drawing/2014/main" id="{561E2A96-C9B3-24C7-D24E-92CD4791F8B9}"/>
+                <a16:creationId xmlns:a16="http://schemas.microsoft.com/office/drawing/2014/main" id="{8360469D-106B-579F-3A46-516936AD9634}"/>
               </a:ext>
             </a:extLst>
           </p:cNvPr>
@@ -1131,7 +1131,7 @@
           <a:bodyPr/>
           <a:lstStyle/>
           <a:p>
-            <a:fld id="{16CEBFF6-6B4E-4A7F-83D5-983588629D2C}" type="datetimeFigureOut">
+            <a:fld id="{A3AE23A8-8540-411A-9321-D2502B90E9F1}" type="datetimeFigureOut">
               <a:rPr lang="zh-CN" altLang="en-US" smtClean="0"/>
               <a:t>2024/3/10</a:t>
             </a:fld>
@@ -1144,7 +1144,7 @@
           <p:cNvPr id="5" name="页脚占位符 4">
             <a:extLst>
               <a:ext uri="{FF2B5EF4-FFF2-40B4-BE49-F238E27FC236}">
-                <a16:creationId xmlns:a16="http://schemas.microsoft.com/office/drawing/2014/main" id="{9A5A54B7-282A-96EB-64C6-228B9BDD8AA1}"/>
+                <a16:creationId xmlns:a16="http://schemas.microsoft.com/office/drawing/2014/main" id="{0F551145-2BC4-D1BB-9AB0-90BC2DC9AB9C}"/>
               </a:ext>
             </a:extLst>
           </p:cNvPr>
@@ -1169,7 +1169,7 @@
           <p:cNvPr id="6" name="灯片编号占位符 5">
             <a:extLst>
               <a:ext uri="{FF2B5EF4-FFF2-40B4-BE49-F238E27FC236}">
-                <a16:creationId xmlns:a16="http://schemas.microsoft.com/office/drawing/2014/main" id="{662F898F-D970-330C-0FCC-78268FD8E355}"/>
+                <a16:creationId xmlns:a16="http://schemas.microsoft.com/office/drawing/2014/main" id="{8E62C955-223D-FBE6-4E13-809A113F45E8}"/>
               </a:ext>
             </a:extLst>
           </p:cNvPr>
@@ -1185,7 +1185,7 @@
           <a:bodyPr/>
           <a:lstStyle/>
           <a:p>
-            <a:fld id="{D02B0819-1DDA-4BB8-9019-232B24DEDA34}" type="slidenum">
+            <a:fld id="{4799E435-406C-4AB1-841D-7C4E177A54E3}" type="slidenum">
               <a:rPr lang="zh-CN" altLang="en-US" smtClean="0"/>
               <a:t>‹#›</a:t>
             </a:fld>
@@ -1196,7 +1196,7 @@
     </p:spTree>
     <p:extLst>
       <p:ext uri="{BB962C8B-B14F-4D97-AF65-F5344CB8AC3E}">
-        <p14:creationId xmlns:p14="http://schemas.microsoft.com/office/powerpoint/2010/main" val="1617578057"/>
+        <p14:creationId xmlns:p14="http://schemas.microsoft.com/office/powerpoint/2010/main" val="89824699"/>
       </p:ext>
     </p:extLst>
   </p:cSld>
@@ -1228,7 +1228,7 @@
           <p:cNvPr id="2" name="标题 1">
             <a:extLst>
               <a:ext uri="{FF2B5EF4-FFF2-40B4-BE49-F238E27FC236}">
-                <a16:creationId xmlns:a16="http://schemas.microsoft.com/office/drawing/2014/main" id="{F0A37191-16E7-7AFB-1D95-F83A675EA545}"/>
+                <a16:creationId xmlns:a16="http://schemas.microsoft.com/office/drawing/2014/main" id="{BBE49549-40EC-C4CD-071E-01A36320DB33}"/>
               </a:ext>
             </a:extLst>
           </p:cNvPr>
@@ -1256,7 +1256,7 @@
           <p:cNvPr id="3" name="内容占位符 2">
             <a:extLst>
               <a:ext uri="{FF2B5EF4-FFF2-40B4-BE49-F238E27FC236}">
-                <a16:creationId xmlns:a16="http://schemas.microsoft.com/office/drawing/2014/main" id="{44D8AD93-1A89-D2CC-CBB6-213570C058A3}"/>
+                <a16:creationId xmlns:a16="http://schemas.microsoft.com/office/drawing/2014/main" id="{04A23AC1-0097-5D6A-6176-B2603C7C1A68}"/>
               </a:ext>
             </a:extLst>
           </p:cNvPr>
@@ -1318,7 +1318,7 @@
           <p:cNvPr id="4" name="内容占位符 3">
             <a:extLst>
               <a:ext uri="{FF2B5EF4-FFF2-40B4-BE49-F238E27FC236}">
-                <a16:creationId xmlns:a16="http://schemas.microsoft.com/office/drawing/2014/main" id="{859D0137-1339-CE65-CACA-D7BF84C375F4}"/>
+                <a16:creationId xmlns:a16="http://schemas.microsoft.com/office/drawing/2014/main" id="{055171D2-45AB-921E-4A1A-05975E281BB7}"/>
               </a:ext>
             </a:extLst>
           </p:cNvPr>
@@ -1380,7 +1380,7 @@
           <p:cNvPr id="5" name="日期占位符 4">
             <a:extLst>
               <a:ext uri="{FF2B5EF4-FFF2-40B4-BE49-F238E27FC236}">
-                <a16:creationId xmlns:a16="http://schemas.microsoft.com/office/drawing/2014/main" id="{790C0DBF-51FC-D79E-A475-4C8B142D37D0}"/>
+                <a16:creationId xmlns:a16="http://schemas.microsoft.com/office/drawing/2014/main" id="{C73A7806-DA71-6DCA-6940-9D766708E7EF}"/>
               </a:ext>
             </a:extLst>
           </p:cNvPr>
@@ -1396,7 +1396,7 @@
           <a:bodyPr/>
           <a:lstStyle/>
           <a:p>
-            <a:fld id="{16CEBFF6-6B4E-4A7F-83D5-983588629D2C}" type="datetimeFigureOut">
+            <a:fld id="{A3AE23A8-8540-411A-9321-D2502B90E9F1}" type="datetimeFigureOut">
               <a:rPr lang="zh-CN" altLang="en-US" smtClean="0"/>
               <a:t>2024/3/10</a:t>
             </a:fld>
@@ -1409,7 +1409,7 @@
           <p:cNvPr id="6" name="页脚占位符 5">
             <a:extLst>
               <a:ext uri="{FF2B5EF4-FFF2-40B4-BE49-F238E27FC236}">
-                <a16:creationId xmlns:a16="http://schemas.microsoft.com/office/drawing/2014/main" id="{858B1F5E-4745-CC3E-DD62-2FBA8608BEE7}"/>
+                <a16:creationId xmlns:a16="http://schemas.microsoft.com/office/drawing/2014/main" id="{EF557C41-06E3-0938-8D1A-B6A4F8562552}"/>
               </a:ext>
             </a:extLst>
           </p:cNvPr>
@@ -1434,7 +1434,7 @@
           <p:cNvPr id="7" name="灯片编号占位符 6">
             <a:extLst>
               <a:ext uri="{FF2B5EF4-FFF2-40B4-BE49-F238E27FC236}">
-                <a16:creationId xmlns:a16="http://schemas.microsoft.com/office/drawing/2014/main" id="{72D892BB-8339-9927-5C36-D3B367AECB26}"/>
+                <a16:creationId xmlns:a16="http://schemas.microsoft.com/office/drawing/2014/main" id="{FA3D6E73-E1CD-CA99-A29D-ED54FF1B6923}"/>
               </a:ext>
             </a:extLst>
           </p:cNvPr>
@@ -1450,7 +1450,7 @@
           <a:bodyPr/>
           <a:lstStyle/>
           <a:p>
-            <a:fld id="{D02B0819-1DDA-4BB8-9019-232B24DEDA34}" type="slidenum">
+            <a:fld id="{4799E435-406C-4AB1-841D-7C4E177A54E3}" type="slidenum">
               <a:rPr lang="zh-CN" altLang="en-US" smtClean="0"/>
               <a:t>‹#›</a:t>
             </a:fld>
@@ -1461,7 +1461,7 @@
     </p:spTree>
     <p:extLst>
       <p:ext uri="{BB962C8B-B14F-4D97-AF65-F5344CB8AC3E}">
-        <p14:creationId xmlns:p14="http://schemas.microsoft.com/office/powerpoint/2010/main" val="1339874178"/>
+        <p14:creationId xmlns:p14="http://schemas.microsoft.com/office/powerpoint/2010/main" val="2702285985"/>
       </p:ext>
     </p:extLst>
   </p:cSld>
@@ -1493,7 +1493,7 @@
           <p:cNvPr id="2" name="标题 1">
             <a:extLst>
               <a:ext uri="{FF2B5EF4-FFF2-40B4-BE49-F238E27FC236}">
-                <a16:creationId xmlns:a16="http://schemas.microsoft.com/office/drawing/2014/main" id="{85C96873-B800-0805-EA34-93DBA484465A}"/>
+                <a16:creationId xmlns:a16="http://schemas.microsoft.com/office/drawing/2014/main" id="{09AC307D-5E7A-E30C-AD65-ADC3DF8CBF82}"/>
               </a:ext>
             </a:extLst>
           </p:cNvPr>
@@ -1526,7 +1526,7 @@
           <p:cNvPr id="3" name="文本占位符 2">
             <a:extLst>
               <a:ext uri="{FF2B5EF4-FFF2-40B4-BE49-F238E27FC236}">
-                <a16:creationId xmlns:a16="http://schemas.microsoft.com/office/drawing/2014/main" id="{0C5DC383-91B2-3080-83DE-4C0BDE3AF056}"/>
+                <a16:creationId xmlns:a16="http://schemas.microsoft.com/office/drawing/2014/main" id="{B47CC9B6-A9C4-7CDF-CBB6-235B898682BA}"/>
               </a:ext>
             </a:extLst>
           </p:cNvPr>
@@ -1597,7 +1597,7 @@
           <p:cNvPr id="4" name="内容占位符 3">
             <a:extLst>
               <a:ext uri="{FF2B5EF4-FFF2-40B4-BE49-F238E27FC236}">
-                <a16:creationId xmlns:a16="http://schemas.microsoft.com/office/drawing/2014/main" id="{C7D5A6E7-2A68-C89D-9BFD-99E4F8112699}"/>
+                <a16:creationId xmlns:a16="http://schemas.microsoft.com/office/drawing/2014/main" id="{05C67C9D-42DA-9ED7-DE54-7C5172584C26}"/>
               </a:ext>
             </a:extLst>
           </p:cNvPr>
@@ -1659,7 +1659,7 @@
           <p:cNvPr id="5" name="文本占位符 4">
             <a:extLst>
               <a:ext uri="{FF2B5EF4-FFF2-40B4-BE49-F238E27FC236}">
-                <a16:creationId xmlns:a16="http://schemas.microsoft.com/office/drawing/2014/main" id="{B9BE964E-062E-0C25-B69F-F9EC3D5E2128}"/>
+                <a16:creationId xmlns:a16="http://schemas.microsoft.com/office/drawing/2014/main" id="{36D79885-54DC-56CD-8407-6B154BFD28E3}"/>
               </a:ext>
             </a:extLst>
           </p:cNvPr>
@@ -1730,7 +1730,7 @@
           <p:cNvPr id="6" name="内容占位符 5">
             <a:extLst>
               <a:ext uri="{FF2B5EF4-FFF2-40B4-BE49-F238E27FC236}">
-                <a16:creationId xmlns:a16="http://schemas.microsoft.com/office/drawing/2014/main" id="{C52C6A2F-EB85-2029-EA1F-A15CDF46F573}"/>
+                <a16:creationId xmlns:a16="http://schemas.microsoft.com/office/drawing/2014/main" id="{AEFC961F-DCD6-A41E-4A01-31C7552E8236}"/>
               </a:ext>
             </a:extLst>
           </p:cNvPr>
@@ -1792,7 +1792,7 @@
           <p:cNvPr id="7" name="日期占位符 6">
             <a:extLst>
               <a:ext uri="{FF2B5EF4-FFF2-40B4-BE49-F238E27FC236}">
-                <a16:creationId xmlns:a16="http://schemas.microsoft.com/office/drawing/2014/main" id="{CF7F728E-A4E2-C494-4169-CEC86555AB18}"/>
+                <a16:creationId xmlns:a16="http://schemas.microsoft.com/office/drawing/2014/main" id="{51A00166-4E03-5DD1-D1CA-DA8A01C74CA5}"/>
               </a:ext>
             </a:extLst>
           </p:cNvPr>
@@ -1808,7 +1808,7 @@
           <a:bodyPr/>
           <a:lstStyle/>
           <a:p>
-            <a:fld id="{16CEBFF6-6B4E-4A7F-83D5-983588629D2C}" type="datetimeFigureOut">
+            <a:fld id="{A3AE23A8-8540-411A-9321-D2502B90E9F1}" type="datetimeFigureOut">
               <a:rPr lang="zh-CN" altLang="en-US" smtClean="0"/>
               <a:t>2024/3/10</a:t>
             </a:fld>
@@ -1821,7 +1821,7 @@
           <p:cNvPr id="8" name="页脚占位符 7">
             <a:extLst>
               <a:ext uri="{FF2B5EF4-FFF2-40B4-BE49-F238E27FC236}">
-                <a16:creationId xmlns:a16="http://schemas.microsoft.com/office/drawing/2014/main" id="{8369661F-F36D-58E0-8A94-599150D7C9AE}"/>
+                <a16:creationId xmlns:a16="http://schemas.microsoft.com/office/drawing/2014/main" id="{ECE1069D-070A-DD1C-0C0D-91286C50281F}"/>
               </a:ext>
             </a:extLst>
           </p:cNvPr>
@@ -1846,7 +1846,7 @@
           <p:cNvPr id="9" name="灯片编号占位符 8">
             <a:extLst>
               <a:ext uri="{FF2B5EF4-FFF2-40B4-BE49-F238E27FC236}">
-                <a16:creationId xmlns:a16="http://schemas.microsoft.com/office/drawing/2014/main" id="{A3A054DE-CE15-CC25-A9FB-74A4BD5AA7AF}"/>
+                <a16:creationId xmlns:a16="http://schemas.microsoft.com/office/drawing/2014/main" id="{78B1C9A8-9647-AB58-9592-91DDBF5AE344}"/>
               </a:ext>
             </a:extLst>
           </p:cNvPr>
@@ -1862,7 +1862,7 @@
           <a:bodyPr/>
           <a:lstStyle/>
           <a:p>
-            <a:fld id="{D02B0819-1DDA-4BB8-9019-232B24DEDA34}" type="slidenum">
+            <a:fld id="{4799E435-406C-4AB1-841D-7C4E177A54E3}" type="slidenum">
               <a:rPr lang="zh-CN" altLang="en-US" smtClean="0"/>
               <a:t>‹#›</a:t>
             </a:fld>
@@ -1873,7 +1873,7 @@
     </p:spTree>
     <p:extLst>
       <p:ext uri="{BB962C8B-B14F-4D97-AF65-F5344CB8AC3E}">
-        <p14:creationId xmlns:p14="http://schemas.microsoft.com/office/powerpoint/2010/main" val="397953073"/>
+        <p14:creationId xmlns:p14="http://schemas.microsoft.com/office/powerpoint/2010/main" val="4095737254"/>
       </p:ext>
     </p:extLst>
   </p:cSld>
@@ -1905,7 +1905,7 @@
           <p:cNvPr id="2" name="标题 1">
             <a:extLst>
               <a:ext uri="{FF2B5EF4-FFF2-40B4-BE49-F238E27FC236}">
-                <a16:creationId xmlns:a16="http://schemas.microsoft.com/office/drawing/2014/main" id="{31BD5534-9655-5D38-3808-0376E0C0DADA}"/>
+                <a16:creationId xmlns:a16="http://schemas.microsoft.com/office/drawing/2014/main" id="{82A08850-384F-D640-69E8-0CC676866650}"/>
               </a:ext>
             </a:extLst>
           </p:cNvPr>
@@ -1933,7 +1933,7 @@
           <p:cNvPr id="3" name="日期占位符 2">
             <a:extLst>
               <a:ext uri="{FF2B5EF4-FFF2-40B4-BE49-F238E27FC236}">
-                <a16:creationId xmlns:a16="http://schemas.microsoft.com/office/drawing/2014/main" id="{4EC2DEF0-3A7D-58E2-82ED-257325CE5A44}"/>
+                <a16:creationId xmlns:a16="http://schemas.microsoft.com/office/drawing/2014/main" id="{31DB330F-06C5-E409-1DAA-935F37E7C371}"/>
               </a:ext>
             </a:extLst>
           </p:cNvPr>
@@ -1949,7 +1949,7 @@
           <a:bodyPr/>
           <a:lstStyle/>
           <a:p>
-            <a:fld id="{16CEBFF6-6B4E-4A7F-83D5-983588629D2C}" type="datetimeFigureOut">
+            <a:fld id="{A3AE23A8-8540-411A-9321-D2502B90E9F1}" type="datetimeFigureOut">
               <a:rPr lang="zh-CN" altLang="en-US" smtClean="0"/>
               <a:t>2024/3/10</a:t>
             </a:fld>
@@ -1962,7 +1962,7 @@
           <p:cNvPr id="4" name="页脚占位符 3">
             <a:extLst>
               <a:ext uri="{FF2B5EF4-FFF2-40B4-BE49-F238E27FC236}">
-                <a16:creationId xmlns:a16="http://schemas.microsoft.com/office/drawing/2014/main" id="{BB5C5D93-E409-4974-2657-A80A3BF52904}"/>
+                <a16:creationId xmlns:a16="http://schemas.microsoft.com/office/drawing/2014/main" id="{2093486E-D72A-333C-A470-8525070B5896}"/>
               </a:ext>
             </a:extLst>
           </p:cNvPr>
@@ -1987,7 +1987,7 @@
           <p:cNvPr id="5" name="灯片编号占位符 4">
             <a:extLst>
               <a:ext uri="{FF2B5EF4-FFF2-40B4-BE49-F238E27FC236}">
-                <a16:creationId xmlns:a16="http://schemas.microsoft.com/office/drawing/2014/main" id="{3DFD3F89-5B90-DCB5-9A6E-60CD79D118DA}"/>
+                <a16:creationId xmlns:a16="http://schemas.microsoft.com/office/drawing/2014/main" id="{F7391BCD-8C40-9C18-59B7-B44640949F06}"/>
               </a:ext>
             </a:extLst>
           </p:cNvPr>
@@ -2003,7 +2003,7 @@
           <a:bodyPr/>
           <a:lstStyle/>
           <a:p>
-            <a:fld id="{D02B0819-1DDA-4BB8-9019-232B24DEDA34}" type="slidenum">
+            <a:fld id="{4799E435-406C-4AB1-841D-7C4E177A54E3}" type="slidenum">
               <a:rPr lang="zh-CN" altLang="en-US" smtClean="0"/>
               <a:t>‹#›</a:t>
             </a:fld>
@@ -2014,7 +2014,7 @@
     </p:spTree>
     <p:extLst>
       <p:ext uri="{BB962C8B-B14F-4D97-AF65-F5344CB8AC3E}">
-        <p14:creationId xmlns:p14="http://schemas.microsoft.com/office/powerpoint/2010/main" val="471098345"/>
+        <p14:creationId xmlns:p14="http://schemas.microsoft.com/office/powerpoint/2010/main" val="1305865094"/>
       </p:ext>
     </p:extLst>
   </p:cSld>
@@ -2046,7 +2046,7 @@
           <p:cNvPr id="2" name="日期占位符 1">
             <a:extLst>
               <a:ext uri="{FF2B5EF4-FFF2-40B4-BE49-F238E27FC236}">
-                <a16:creationId xmlns:a16="http://schemas.microsoft.com/office/drawing/2014/main" id="{2356D17C-E1CB-5E57-A435-42D0DBD30B1A}"/>
+                <a16:creationId xmlns:a16="http://schemas.microsoft.com/office/drawing/2014/main" id="{6198F61E-4971-CFC4-B0DA-888655546658}"/>
               </a:ext>
             </a:extLst>
           </p:cNvPr>
@@ -2062,7 +2062,7 @@
           <a:bodyPr/>
           <a:lstStyle/>
           <a:p>
-            <a:fld id="{16CEBFF6-6B4E-4A7F-83D5-983588629D2C}" type="datetimeFigureOut">
+            <a:fld id="{A3AE23A8-8540-411A-9321-D2502B90E9F1}" type="datetimeFigureOut">
               <a:rPr lang="zh-CN" altLang="en-US" smtClean="0"/>
               <a:t>2024/3/10</a:t>
             </a:fld>
@@ -2075,7 +2075,7 @@
           <p:cNvPr id="3" name="页脚占位符 2">
             <a:extLst>
               <a:ext uri="{FF2B5EF4-FFF2-40B4-BE49-F238E27FC236}">
-                <a16:creationId xmlns:a16="http://schemas.microsoft.com/office/drawing/2014/main" id="{7477E545-C201-C9FB-4DE4-85FA1F5318F2}"/>
+                <a16:creationId xmlns:a16="http://schemas.microsoft.com/office/drawing/2014/main" id="{9EDBB34F-8E67-01CF-75D7-96F3C08C3BFE}"/>
               </a:ext>
             </a:extLst>
           </p:cNvPr>
@@ -2100,7 +2100,7 @@
           <p:cNvPr id="4" name="灯片编号占位符 3">
             <a:extLst>
               <a:ext uri="{FF2B5EF4-FFF2-40B4-BE49-F238E27FC236}">
-                <a16:creationId xmlns:a16="http://schemas.microsoft.com/office/drawing/2014/main" id="{D7BBA1C3-2094-6055-D069-3AB32A83AD4D}"/>
+                <a16:creationId xmlns:a16="http://schemas.microsoft.com/office/drawing/2014/main" id="{00CB87EA-CDD5-423E-5614-AA73B044960C}"/>
               </a:ext>
             </a:extLst>
           </p:cNvPr>
@@ -2116,7 +2116,7 @@
           <a:bodyPr/>
           <a:lstStyle/>
           <a:p>
-            <a:fld id="{D02B0819-1DDA-4BB8-9019-232B24DEDA34}" type="slidenum">
+            <a:fld id="{4799E435-406C-4AB1-841D-7C4E177A54E3}" type="slidenum">
               <a:rPr lang="zh-CN" altLang="en-US" smtClean="0"/>
               <a:t>‹#›</a:t>
             </a:fld>
@@ -2127,7 +2127,7 @@
     </p:spTree>
     <p:extLst>
       <p:ext uri="{BB962C8B-B14F-4D97-AF65-F5344CB8AC3E}">
-        <p14:creationId xmlns:p14="http://schemas.microsoft.com/office/powerpoint/2010/main" val="1919169769"/>
+        <p14:creationId xmlns:p14="http://schemas.microsoft.com/office/powerpoint/2010/main" val="3698141359"/>
       </p:ext>
     </p:extLst>
   </p:cSld>
@@ -2159,7 +2159,7 @@
           <p:cNvPr id="2" name="标题 1">
             <a:extLst>
               <a:ext uri="{FF2B5EF4-FFF2-40B4-BE49-F238E27FC236}">
-                <a16:creationId xmlns:a16="http://schemas.microsoft.com/office/drawing/2014/main" id="{64EF3610-6B48-E36D-DF1E-898F55576ED4}"/>
+                <a16:creationId xmlns:a16="http://schemas.microsoft.com/office/drawing/2014/main" id="{8E336C69-EBEF-CE44-3D59-250AD059DC5B}"/>
               </a:ext>
             </a:extLst>
           </p:cNvPr>
@@ -2196,7 +2196,7 @@
           <p:cNvPr id="3" name="内容占位符 2">
             <a:extLst>
               <a:ext uri="{FF2B5EF4-FFF2-40B4-BE49-F238E27FC236}">
-                <a16:creationId xmlns:a16="http://schemas.microsoft.com/office/drawing/2014/main" id="{F9FBB648-8B25-4AE8-3376-E66E47799F71}"/>
+                <a16:creationId xmlns:a16="http://schemas.microsoft.com/office/drawing/2014/main" id="{2F5DA8C0-036C-3E43-D149-728324DE3E87}"/>
               </a:ext>
             </a:extLst>
           </p:cNvPr>
@@ -2286,7 +2286,7 @@
           <p:cNvPr id="4" name="文本占位符 3">
             <a:extLst>
               <a:ext uri="{FF2B5EF4-FFF2-40B4-BE49-F238E27FC236}">
-                <a16:creationId xmlns:a16="http://schemas.microsoft.com/office/drawing/2014/main" id="{3B3A9667-24D2-889E-E9ED-07CE99D454D0}"/>
+                <a16:creationId xmlns:a16="http://schemas.microsoft.com/office/drawing/2014/main" id="{2027223B-ED95-FCB8-4C68-C526523F13D1}"/>
               </a:ext>
             </a:extLst>
           </p:cNvPr>
@@ -2357,7 +2357,7 @@
           <p:cNvPr id="5" name="日期占位符 4">
             <a:extLst>
               <a:ext uri="{FF2B5EF4-FFF2-40B4-BE49-F238E27FC236}">
-                <a16:creationId xmlns:a16="http://schemas.microsoft.com/office/drawing/2014/main" id="{C221FBDA-2EAA-4ED2-170F-FD1347EA333E}"/>
+                <a16:creationId xmlns:a16="http://schemas.microsoft.com/office/drawing/2014/main" id="{4012F981-FE7A-C988-550C-DF20EF85FC01}"/>
               </a:ext>
             </a:extLst>
           </p:cNvPr>
@@ -2373,7 +2373,7 @@
           <a:bodyPr/>
           <a:lstStyle/>
           <a:p>
-            <a:fld id="{16CEBFF6-6B4E-4A7F-83D5-983588629D2C}" type="datetimeFigureOut">
+            <a:fld id="{A3AE23A8-8540-411A-9321-D2502B90E9F1}" type="datetimeFigureOut">
               <a:rPr lang="zh-CN" altLang="en-US" smtClean="0"/>
               <a:t>2024/3/10</a:t>
             </a:fld>
@@ -2386,7 +2386,7 @@
           <p:cNvPr id="6" name="页脚占位符 5">
             <a:extLst>
               <a:ext uri="{FF2B5EF4-FFF2-40B4-BE49-F238E27FC236}">
-                <a16:creationId xmlns:a16="http://schemas.microsoft.com/office/drawing/2014/main" id="{9CED1592-238C-710B-78D9-F9C1D5FBA66F}"/>
+                <a16:creationId xmlns:a16="http://schemas.microsoft.com/office/drawing/2014/main" id="{503CF893-7254-5A5B-A8CA-98E4399E765F}"/>
               </a:ext>
             </a:extLst>
           </p:cNvPr>
@@ -2411,7 +2411,7 @@
           <p:cNvPr id="7" name="灯片编号占位符 6">
             <a:extLst>
               <a:ext uri="{FF2B5EF4-FFF2-40B4-BE49-F238E27FC236}">
-                <a16:creationId xmlns:a16="http://schemas.microsoft.com/office/drawing/2014/main" id="{EEB20A7D-9CD9-1D45-D612-1CA576161B21}"/>
+                <a16:creationId xmlns:a16="http://schemas.microsoft.com/office/drawing/2014/main" id="{B661075F-D6A8-349F-1996-3A877EE465B6}"/>
               </a:ext>
             </a:extLst>
           </p:cNvPr>
@@ -2427,7 +2427,7 @@
           <a:bodyPr/>
           <a:lstStyle/>
           <a:p>
-            <a:fld id="{D02B0819-1DDA-4BB8-9019-232B24DEDA34}" type="slidenum">
+            <a:fld id="{4799E435-406C-4AB1-841D-7C4E177A54E3}" type="slidenum">
               <a:rPr lang="zh-CN" altLang="en-US" smtClean="0"/>
               <a:t>‹#›</a:t>
             </a:fld>
@@ -2438,7 +2438,7 @@
     </p:spTree>
     <p:extLst>
       <p:ext uri="{BB962C8B-B14F-4D97-AF65-F5344CB8AC3E}">
-        <p14:creationId xmlns:p14="http://schemas.microsoft.com/office/powerpoint/2010/main" val="3011160819"/>
+        <p14:creationId xmlns:p14="http://schemas.microsoft.com/office/powerpoint/2010/main" val="4011795299"/>
       </p:ext>
     </p:extLst>
   </p:cSld>
@@ -2470,7 +2470,7 @@
           <p:cNvPr id="2" name="标题 1">
             <a:extLst>
               <a:ext uri="{FF2B5EF4-FFF2-40B4-BE49-F238E27FC236}">
-                <a16:creationId xmlns:a16="http://schemas.microsoft.com/office/drawing/2014/main" id="{1DAE40D5-6748-E3FC-3EE3-F27822114BD8}"/>
+                <a16:creationId xmlns:a16="http://schemas.microsoft.com/office/drawing/2014/main" id="{5DE30E63-40B0-CABD-5FB1-85BCC1CB2F09}"/>
               </a:ext>
             </a:extLst>
           </p:cNvPr>
@@ -2507,7 +2507,7 @@
           <p:cNvPr id="3" name="图片占位符 2">
             <a:extLst>
               <a:ext uri="{FF2B5EF4-FFF2-40B4-BE49-F238E27FC236}">
-                <a16:creationId xmlns:a16="http://schemas.microsoft.com/office/drawing/2014/main" id="{C494A425-5BE4-9D5B-D31F-47DBE301571A}"/>
+                <a16:creationId xmlns:a16="http://schemas.microsoft.com/office/drawing/2014/main" id="{C65EB798-AF93-6A8D-181F-3D92881C77F7}"/>
               </a:ext>
             </a:extLst>
           </p:cNvPr>
@@ -2574,7 +2574,7 @@
           <p:cNvPr id="4" name="文本占位符 3">
             <a:extLst>
               <a:ext uri="{FF2B5EF4-FFF2-40B4-BE49-F238E27FC236}">
-                <a16:creationId xmlns:a16="http://schemas.microsoft.com/office/drawing/2014/main" id="{41922F9C-08A0-96D4-DB7E-350451E4379C}"/>
+                <a16:creationId xmlns:a16="http://schemas.microsoft.com/office/drawing/2014/main" id="{E343C5D1-1864-66F8-0511-E9EE98D41574}"/>
               </a:ext>
             </a:extLst>
           </p:cNvPr>
@@ -2645,7 +2645,7 @@
           <p:cNvPr id="5" name="日期占位符 4">
             <a:extLst>
               <a:ext uri="{FF2B5EF4-FFF2-40B4-BE49-F238E27FC236}">
-                <a16:creationId xmlns:a16="http://schemas.microsoft.com/office/drawing/2014/main" id="{A621C44D-283C-6104-83E1-E77A6A992BE0}"/>
+                <a16:creationId xmlns:a16="http://schemas.microsoft.com/office/drawing/2014/main" id="{0D1D0C9E-FAFA-D3FF-6C21-344F0FC11B0A}"/>
               </a:ext>
             </a:extLst>
           </p:cNvPr>
@@ -2661,7 +2661,7 @@
           <a:bodyPr/>
           <a:lstStyle/>
           <a:p>
-            <a:fld id="{16CEBFF6-6B4E-4A7F-83D5-983588629D2C}" type="datetimeFigureOut">
+            <a:fld id="{A3AE23A8-8540-411A-9321-D2502B90E9F1}" type="datetimeFigureOut">
               <a:rPr lang="zh-CN" altLang="en-US" smtClean="0"/>
               <a:t>2024/3/10</a:t>
             </a:fld>
@@ -2674,7 +2674,7 @@
           <p:cNvPr id="6" name="页脚占位符 5">
             <a:extLst>
               <a:ext uri="{FF2B5EF4-FFF2-40B4-BE49-F238E27FC236}">
-                <a16:creationId xmlns:a16="http://schemas.microsoft.com/office/drawing/2014/main" id="{368D8F81-6032-562A-0DD2-3A27192CE364}"/>
+                <a16:creationId xmlns:a16="http://schemas.microsoft.com/office/drawing/2014/main" id="{A8C63384-87E3-8571-A12B-AFC8295210EB}"/>
               </a:ext>
             </a:extLst>
           </p:cNvPr>
@@ -2699,7 +2699,7 @@
           <p:cNvPr id="7" name="灯片编号占位符 6">
             <a:extLst>
               <a:ext uri="{FF2B5EF4-FFF2-40B4-BE49-F238E27FC236}">
-                <a16:creationId xmlns:a16="http://schemas.microsoft.com/office/drawing/2014/main" id="{90478721-7B3A-BDC0-AB9A-EFA69BD2A7B1}"/>
+                <a16:creationId xmlns:a16="http://schemas.microsoft.com/office/drawing/2014/main" id="{4F827F2E-230C-5A50-2B85-2EB4A42A3802}"/>
               </a:ext>
             </a:extLst>
           </p:cNvPr>
@@ -2715,7 +2715,7 @@
           <a:bodyPr/>
           <a:lstStyle/>
           <a:p>
-            <a:fld id="{D02B0819-1DDA-4BB8-9019-232B24DEDA34}" type="slidenum">
+            <a:fld id="{4799E435-406C-4AB1-841D-7C4E177A54E3}" type="slidenum">
               <a:rPr lang="zh-CN" altLang="en-US" smtClean="0"/>
               <a:t>‹#›</a:t>
             </a:fld>
@@ -2726,7 +2726,7 @@
     </p:spTree>
     <p:extLst>
       <p:ext uri="{BB962C8B-B14F-4D97-AF65-F5344CB8AC3E}">
-        <p14:creationId xmlns:p14="http://schemas.microsoft.com/office/powerpoint/2010/main" val="1956381753"/>
+        <p14:creationId xmlns:p14="http://schemas.microsoft.com/office/powerpoint/2010/main" val="2156737327"/>
       </p:ext>
     </p:extLst>
   </p:cSld>
@@ -2763,7 +2763,7 @@
           <p:cNvPr id="2" name="标题占位符 1">
             <a:extLst>
               <a:ext uri="{FF2B5EF4-FFF2-40B4-BE49-F238E27FC236}">
-                <a16:creationId xmlns:a16="http://schemas.microsoft.com/office/drawing/2014/main" id="{84728A73-5AB9-CD98-DD11-D484B4A7AB5D}"/>
+                <a16:creationId xmlns:a16="http://schemas.microsoft.com/office/drawing/2014/main" id="{C63D20F2-C9A8-CEDB-D4DD-5D8B0514ED40}"/>
               </a:ext>
             </a:extLst>
           </p:cNvPr>
@@ -2801,7 +2801,7 @@
           <p:cNvPr id="3" name="文本占位符 2">
             <a:extLst>
               <a:ext uri="{FF2B5EF4-FFF2-40B4-BE49-F238E27FC236}">
-                <a16:creationId xmlns:a16="http://schemas.microsoft.com/office/drawing/2014/main" id="{2D3C9230-40B2-488E-8A6A-D238DD1CAFEF}"/>
+                <a16:creationId xmlns:a16="http://schemas.microsoft.com/office/drawing/2014/main" id="{F37F2103-E15D-365E-E848-94FCA88D05F3}"/>
               </a:ext>
             </a:extLst>
           </p:cNvPr>
@@ -2868,7 +2868,7 @@
           <p:cNvPr id="4" name="日期占位符 3">
             <a:extLst>
               <a:ext uri="{FF2B5EF4-FFF2-40B4-BE49-F238E27FC236}">
-                <a16:creationId xmlns:a16="http://schemas.microsoft.com/office/drawing/2014/main" id="{C83743A0-F5DD-6D8E-DB6F-036334E26561}"/>
+                <a16:creationId xmlns:a16="http://schemas.microsoft.com/office/drawing/2014/main" id="{C2FDED7E-777D-B562-3E47-90A8C09B4F0C}"/>
               </a:ext>
             </a:extLst>
           </p:cNvPr>
@@ -2902,7 +2902,7 @@
             </a:lvl1pPr>
           </a:lstStyle>
           <a:p>
-            <a:fld id="{16CEBFF6-6B4E-4A7F-83D5-983588629D2C}" type="datetimeFigureOut">
+            <a:fld id="{A3AE23A8-8540-411A-9321-D2502B90E9F1}" type="datetimeFigureOut">
               <a:rPr lang="zh-CN" altLang="en-US" smtClean="0"/>
               <a:t>2024/3/10</a:t>
             </a:fld>
@@ -2915,7 +2915,7 @@
           <p:cNvPr id="5" name="页脚占位符 4">
             <a:extLst>
               <a:ext uri="{FF2B5EF4-FFF2-40B4-BE49-F238E27FC236}">
-                <a16:creationId xmlns:a16="http://schemas.microsoft.com/office/drawing/2014/main" id="{4A82D774-64F8-D37B-C82A-E5FCF65548A6}"/>
+                <a16:creationId xmlns:a16="http://schemas.microsoft.com/office/drawing/2014/main" id="{1133A542-A86F-16EF-57F1-AE336E2F127D}"/>
               </a:ext>
             </a:extLst>
           </p:cNvPr>
@@ -2958,7 +2958,7 @@
           <p:cNvPr id="6" name="灯片编号占位符 5">
             <a:extLst>
               <a:ext uri="{FF2B5EF4-FFF2-40B4-BE49-F238E27FC236}">
-                <a16:creationId xmlns:a16="http://schemas.microsoft.com/office/drawing/2014/main" id="{308F7F3F-892E-8D66-D470-D16B28B910BA}"/>
+                <a16:creationId xmlns:a16="http://schemas.microsoft.com/office/drawing/2014/main" id="{100948FB-AD09-E28F-CFC0-618D5153AAF1}"/>
               </a:ext>
             </a:extLst>
           </p:cNvPr>
@@ -2992,7 +2992,7 @@
             </a:lvl1pPr>
           </a:lstStyle>
           <a:p>
-            <a:fld id="{D02B0819-1DDA-4BB8-9019-232B24DEDA34}" type="slidenum">
+            <a:fld id="{4799E435-406C-4AB1-841D-7C4E177A54E3}" type="slidenum">
               <a:rPr lang="zh-CN" altLang="en-US" smtClean="0"/>
               <a:t>‹#›</a:t>
             </a:fld>
@@ -3003,7 +3003,7 @@
     </p:spTree>
     <p:extLst>
       <p:ext uri="{BB962C8B-B14F-4D97-AF65-F5344CB8AC3E}">
-        <p14:creationId xmlns:p14="http://schemas.microsoft.com/office/powerpoint/2010/main" val="1863172892"/>
+        <p14:creationId xmlns:p14="http://schemas.microsoft.com/office/powerpoint/2010/main" val="2205486182"/>
       </p:ext>
     </p:extLst>
   </p:cSld>
